--- a/Vorträge/2015-09-24 Warum Freie Netze - Jusos Münster.pptx
+++ b/Vorträge/2015-09-24 Warum Freie Netze - Jusos Münster.pptx
@@ -133,6 +133,22 @@
       </a:defRPr>
     </a:lvl9pPr>
   </p:defaultTextStyle>
+  <p:extLst>
+    <p:ext uri="{EFAFB233-063F-42B5-8137-9DF3F51BA10A}">
+      <p15:sldGuideLst xmlns:p15="http://schemas.microsoft.com/office/powerpoint/2012/main">
+        <p15:guide id="1" orient="horz" pos="2160">
+          <p15:clr>
+            <a:srgbClr val="A4A3A4"/>
+          </p15:clr>
+        </p15:guide>
+        <p15:guide id="2" pos="2880">
+          <p15:clr>
+            <a:srgbClr val="A4A3A4"/>
+          </p15:clr>
+        </p15:guide>
+      </p15:sldGuideLst>
+    </p:ext>
+  </p:extLst>
 </p:presentation>
 </file>
 
@@ -219,7 +235,7 @@
             <a:fld id="{4DD6F2D0-0472-4B3C-8934-2A4FAD2D72D7}" type="datetimeFigureOut">
               <a:rPr lang="de-DE" smtClean="0"/>
               <a:pPr/>
-              <a:t>16.10.2015</a:t>
+              <a:t>28.02.2016</a:t>
             </a:fld>
             <a:endParaRPr lang="de-DE"/>
           </a:p>
@@ -387,7 +403,7 @@
             <a:fld id="{A2B87FA0-CCF9-4960-9A87-C7157D23F8BD}" type="datetimeFigureOut">
               <a:rPr lang="de-DE" smtClean="0"/>
               <a:pPr/>
-              <a:t>16.10.2015</a:t>
+              <a:t>28.02.2016</a:t>
             </a:fld>
             <a:endParaRPr lang="de-DE"/>
           </a:p>
@@ -732,6 +748,11 @@
         </p:txBody>
       </p:sp>
     </p:spTree>
+    <p:extLst>
+      <p:ext uri="{BB962C8B-B14F-4D97-AF65-F5344CB8AC3E}">
+        <p14:creationId xmlns:p14="http://schemas.microsoft.com/office/powerpoint/2010/main" val="2999441388"/>
+      </p:ext>
+    </p:extLst>
   </p:cSld>
   <p:clrMapOvr>
     <a:masterClrMapping/>
@@ -8211,7 +8232,7 @@
         <p:spPr>
           <a:xfrm>
             <a:off x="457200" y="2424238"/>
-            <a:ext cx="1872718" cy="530635"/>
+            <a:ext cx="2242592" cy="530635"/>
           </a:xfrm>
           <a:prstGeom prst="rect">
             <a:avLst/>
@@ -8245,7 +8266,18 @@
               </a:defRPr>
             </a:pPr>
             <a:r>
-              <a:rPr lang="de-DE" sz="2400" b="1" i="0" u="none" strike="noStrike" kern="1200" cap="none" spc="0" baseline="0" dirty="0">
+              <a:rPr lang="de-DE" sz="2400" b="1" dirty="0" smtClean="0">
+                <a:solidFill>
+                  <a:srgbClr val="000000"/>
+                </a:solidFill>
+                <a:latin typeface="Arial"/>
+                <a:ea typeface="Arial"/>
+                <a:cs typeface="DejaVu Sans"/>
+              </a:rPr>
+              <a:t>Familie </a:t>
+            </a:r>
+            <a:r>
+              <a:rPr lang="de-DE" sz="2400" b="1" i="0" u="none" strike="noStrike" kern="1200" cap="none" spc="0" baseline="0" dirty="0" smtClean="0">
                 <a:solidFill>
                   <a:srgbClr val="000000"/>
                 </a:solidFill>
@@ -8741,7 +8773,7 @@
         <p:spPr>
           <a:xfrm>
             <a:off x="457200" y="2424238"/>
-            <a:ext cx="1872718" cy="530635"/>
+            <a:ext cx="2133600" cy="530635"/>
           </a:xfrm>
           <a:prstGeom prst="rect">
             <a:avLst/>
@@ -8775,7 +8807,31 @@
               </a:defRPr>
             </a:pPr>
             <a:r>
-              <a:rPr lang="de-DE" sz="2400" b="1" i="0" u="none" strike="noStrike" kern="1200" cap="none" spc="0" baseline="0" dirty="0">
+              <a:rPr lang="de-DE" sz="2400" b="1" i="0" u="none" strike="noStrike" kern="1200" cap="none" spc="0" baseline="0" dirty="0" smtClean="0">
+                <a:solidFill>
+                  <a:srgbClr val="000000"/>
+                </a:solidFill>
+                <a:uFillTx/>
+                <a:latin typeface="Arial"/>
+                <a:ea typeface="Arial"/>
+                <a:cs typeface="DejaVu Sans"/>
+              </a:rPr>
+              <a:t>Familie</a:t>
+            </a:r>
+            <a:r>
+              <a:rPr lang="de-DE" sz="2400" b="1" i="0" u="none" strike="noStrike" kern="1200" cap="none" spc="0" dirty="0" smtClean="0">
+                <a:solidFill>
+                  <a:srgbClr val="000000"/>
+                </a:solidFill>
+                <a:uFillTx/>
+                <a:latin typeface="Arial"/>
+                <a:ea typeface="Arial"/>
+                <a:cs typeface="DejaVu Sans"/>
+              </a:rPr>
+              <a:t> </a:t>
+            </a:r>
+            <a:r>
+              <a:rPr lang="de-DE" sz="2400" b="1" i="0" u="none" strike="noStrike" kern="1200" cap="none" spc="0" baseline="0" dirty="0" smtClean="0">
                 <a:solidFill>
                   <a:srgbClr val="000000"/>
                 </a:solidFill>
